--- a/Chapter 15.pptx
+++ b/Chapter 15.pptx
@@ -275,7 +275,7 @@
           <a:p>
             <a:fld id="{4BA181B4-915F-405D-8ECF-9A0596F7D074}" type="datetimeFigureOut">
               <a:rPr lang="en-US" smtClean="0"/>
-              <a:t>3/3/2018</a:t>
+              <a:t>3/5/2018</a:t>
             </a:fld>
             <a:endParaRPr lang="en-US"/>
           </a:p>
@@ -562,7 +562,7 @@
           <a:p>
             <a:fld id="{4BA181B4-915F-405D-8ECF-9A0596F7D074}" type="datetimeFigureOut">
               <a:rPr lang="en-US" smtClean="0"/>
-              <a:t>3/3/2018</a:t>
+              <a:t>3/5/2018</a:t>
             </a:fld>
             <a:endParaRPr lang="en-US"/>
           </a:p>
@@ -754,7 +754,7 @@
           <a:p>
             <a:fld id="{4BA181B4-915F-405D-8ECF-9A0596F7D074}" type="datetimeFigureOut">
               <a:rPr lang="en-US" smtClean="0"/>
-              <a:t>3/3/2018</a:t>
+              <a:t>3/5/2018</a:t>
             </a:fld>
             <a:endParaRPr lang="en-US"/>
           </a:p>
@@ -1015,7 +1015,7 @@
           <a:p>
             <a:fld id="{4BA181B4-915F-405D-8ECF-9A0596F7D074}" type="datetimeFigureOut">
               <a:rPr lang="en-US" smtClean="0"/>
-              <a:t>3/3/2018</a:t>
+              <a:t>3/5/2018</a:t>
             </a:fld>
             <a:endParaRPr lang="en-US"/>
           </a:p>
@@ -1439,7 +1439,7 @@
           <a:p>
             <a:fld id="{4BA181B4-915F-405D-8ECF-9A0596F7D074}" type="datetimeFigureOut">
               <a:rPr lang="en-US" smtClean="0"/>
-              <a:t>3/3/2018</a:t>
+              <a:t>3/5/2018</a:t>
             </a:fld>
             <a:endParaRPr lang="en-US"/>
           </a:p>
@@ -1985,7 +1985,7 @@
           <a:p>
             <a:fld id="{4BA181B4-915F-405D-8ECF-9A0596F7D074}" type="datetimeFigureOut">
               <a:rPr lang="en-US" smtClean="0"/>
-              <a:t>3/3/2018</a:t>
+              <a:t>3/5/2018</a:t>
             </a:fld>
             <a:endParaRPr lang="en-US"/>
           </a:p>
@@ -2825,7 +2825,7 @@
           <a:p>
             <a:fld id="{4BA181B4-915F-405D-8ECF-9A0596F7D074}" type="datetimeFigureOut">
               <a:rPr lang="en-US" smtClean="0"/>
-              <a:t>3/3/2018</a:t>
+              <a:t>3/5/2018</a:t>
             </a:fld>
             <a:endParaRPr lang="en-US"/>
           </a:p>
@@ -2995,7 +2995,7 @@
           <a:p>
             <a:fld id="{4BA181B4-915F-405D-8ECF-9A0596F7D074}" type="datetimeFigureOut">
               <a:rPr lang="en-US" smtClean="0"/>
-              <a:t>3/3/2018</a:t>
+              <a:t>3/5/2018</a:t>
             </a:fld>
             <a:endParaRPr lang="en-US"/>
           </a:p>
@@ -3179,7 +3179,7 @@
           <a:p>
             <a:fld id="{4BA181B4-915F-405D-8ECF-9A0596F7D074}" type="datetimeFigureOut">
               <a:rPr lang="en-US" smtClean="0"/>
-              <a:t>3/3/2018</a:t>
+              <a:t>3/5/2018</a:t>
             </a:fld>
             <a:endParaRPr lang="en-US"/>
           </a:p>
@@ -3349,7 +3349,7 @@
           <a:p>
             <a:fld id="{4BA181B4-915F-405D-8ECF-9A0596F7D074}" type="datetimeFigureOut">
               <a:rPr lang="en-US" smtClean="0"/>
-              <a:t>3/3/2018</a:t>
+              <a:t>3/5/2018</a:t>
             </a:fld>
             <a:endParaRPr lang="en-US"/>
           </a:p>
@@ -3597,7 +3597,7 @@
           <a:p>
             <a:fld id="{4BA181B4-915F-405D-8ECF-9A0596F7D074}" type="datetimeFigureOut">
               <a:rPr lang="en-US" smtClean="0"/>
-              <a:t>3/3/2018</a:t>
+              <a:t>3/5/2018</a:t>
             </a:fld>
             <a:endParaRPr lang="en-US"/>
           </a:p>
@@ -3834,7 +3834,7 @@
           <a:p>
             <a:fld id="{4BA181B4-915F-405D-8ECF-9A0596F7D074}" type="datetimeFigureOut">
               <a:rPr lang="en-US" smtClean="0"/>
-              <a:t>3/3/2018</a:t>
+              <a:t>3/5/2018</a:t>
             </a:fld>
             <a:endParaRPr lang="en-US"/>
           </a:p>
@@ -4207,7 +4207,7 @@
           <a:p>
             <a:fld id="{4BA181B4-915F-405D-8ECF-9A0596F7D074}" type="datetimeFigureOut">
               <a:rPr lang="en-US" smtClean="0"/>
-              <a:t>3/3/2018</a:t>
+              <a:t>3/5/2018</a:t>
             </a:fld>
             <a:endParaRPr lang="en-US"/>
           </a:p>
@@ -4325,7 +4325,7 @@
           <a:p>
             <a:fld id="{4BA181B4-915F-405D-8ECF-9A0596F7D074}" type="datetimeFigureOut">
               <a:rPr lang="en-US" smtClean="0"/>
-              <a:t>3/3/2018</a:t>
+              <a:t>3/5/2018</a:t>
             </a:fld>
             <a:endParaRPr lang="en-US"/>
           </a:p>
@@ -4420,7 +4420,7 @@
           <a:p>
             <a:fld id="{4BA181B4-915F-405D-8ECF-9A0596F7D074}" type="datetimeFigureOut">
               <a:rPr lang="en-US" smtClean="0"/>
-              <a:t>3/3/2018</a:t>
+              <a:t>3/5/2018</a:t>
             </a:fld>
             <a:endParaRPr lang="en-US"/>
           </a:p>
@@ -4671,7 +4671,7 @@
           <a:p>
             <a:fld id="{4BA181B4-915F-405D-8ECF-9A0596F7D074}" type="datetimeFigureOut">
               <a:rPr lang="en-US" smtClean="0"/>
-              <a:t>3/3/2018</a:t>
+              <a:t>3/5/2018</a:t>
             </a:fld>
             <a:endParaRPr lang="en-US"/>
           </a:p>
@@ -4958,7 +4958,7 @@
           <a:p>
             <a:fld id="{4BA181B4-915F-405D-8ECF-9A0596F7D074}" type="datetimeFigureOut">
               <a:rPr lang="en-US" smtClean="0"/>
-              <a:t>3/3/2018</a:t>
+              <a:t>3/5/2018</a:t>
             </a:fld>
             <a:endParaRPr lang="en-US"/>
           </a:p>
@@ -5171,7 +5171,7 @@
           <a:p>
             <a:fld id="{4BA181B4-915F-405D-8ECF-9A0596F7D074}" type="datetimeFigureOut">
               <a:rPr lang="en-US" smtClean="0"/>
-              <a:t>3/3/2018</a:t>
+              <a:t>3/5/2018</a:t>
             </a:fld>
             <a:endParaRPr lang="en-US"/>
           </a:p>
@@ -5811,29 +5811,13 @@
           <a:p>
             <a:r>
               <a:rPr lang="en-US" dirty="0"/>
-              <a:t>The data type is </a:t>
-            </a:r>
-            <a:r>
-              <a:rPr lang="en-US" dirty="0" err="1"/>
-              <a:t>infereed</a:t>
-            </a:r>
-            <a:r>
-              <a:rPr lang="en-US" dirty="0"/>
-              <a:t> by the processor</a:t>
-            </a:r>
-          </a:p>
-          <a:p>
-            <a:r>
-              <a:rPr lang="en-US" dirty="0"/>
-              <a:t>It is treated like an object from an </a:t>
-            </a:r>
-            <a:r>
-              <a:rPr lang="en-US" dirty="0" err="1"/>
-              <a:t>anoynomys</a:t>
-            </a:r>
-            <a:r>
-              <a:rPr lang="en-US" dirty="0"/>
-              <a:t> inner class</a:t>
+              <a:t>The data type is inferred by the processor</a:t>
+            </a:r>
+          </a:p>
+          <a:p>
+            <a:r>
+              <a:rPr lang="en-US" dirty="0"/>
+              <a:t>It is treated like an object from an anonyms inner class</a:t>
             </a:r>
           </a:p>
           <a:p>
